--- a/icon image.pptx
+++ b/icon image.pptx
@@ -11,6 +11,7 @@
     <p:sldId id="259" r:id="rId5"/>
     <p:sldId id="260" r:id="rId6"/>
     <p:sldId id="261" r:id="rId7"/>
+    <p:sldId id="262" r:id="rId8"/>
   </p:sldIdLst>
   <p:sldSz cx="25199975" cy="25199975"/>
   <p:notesSz cx="6858000" cy="9144000"/>
@@ -248,7 +249,7 @@
           <a:p>
             <a:fld id="{ADC93C3F-4C00-4DB1-A155-BF7F89EF81D3}" type="datetimeFigureOut">
               <a:rPr lang="ko-KR" altLang="en-US" smtClean="0"/>
-              <a:t>2023-05-09</a:t>
+              <a:t>2023-05-12</a:t>
             </a:fld>
             <a:endParaRPr lang="ko-KR" altLang="en-US"/>
           </a:p>
@@ -418,7 +419,7 @@
           <a:p>
             <a:fld id="{ADC93C3F-4C00-4DB1-A155-BF7F89EF81D3}" type="datetimeFigureOut">
               <a:rPr lang="ko-KR" altLang="en-US" smtClean="0"/>
-              <a:t>2023-05-09</a:t>
+              <a:t>2023-05-12</a:t>
             </a:fld>
             <a:endParaRPr lang="ko-KR" altLang="en-US"/>
           </a:p>
@@ -598,7 +599,7 @@
           <a:p>
             <a:fld id="{ADC93C3F-4C00-4DB1-A155-BF7F89EF81D3}" type="datetimeFigureOut">
               <a:rPr lang="ko-KR" altLang="en-US" smtClean="0"/>
-              <a:t>2023-05-09</a:t>
+              <a:t>2023-05-12</a:t>
             </a:fld>
             <a:endParaRPr lang="ko-KR" altLang="en-US"/>
           </a:p>
@@ -768,7 +769,7 @@
           <a:p>
             <a:fld id="{ADC93C3F-4C00-4DB1-A155-BF7F89EF81D3}" type="datetimeFigureOut">
               <a:rPr lang="ko-KR" altLang="en-US" smtClean="0"/>
-              <a:t>2023-05-09</a:t>
+              <a:t>2023-05-12</a:t>
             </a:fld>
             <a:endParaRPr lang="ko-KR" altLang="en-US"/>
           </a:p>
@@ -1012,7 +1013,7 @@
           <a:p>
             <a:fld id="{ADC93C3F-4C00-4DB1-A155-BF7F89EF81D3}" type="datetimeFigureOut">
               <a:rPr lang="ko-KR" altLang="en-US" smtClean="0"/>
-              <a:t>2023-05-09</a:t>
+              <a:t>2023-05-12</a:t>
             </a:fld>
             <a:endParaRPr lang="ko-KR" altLang="en-US"/>
           </a:p>
@@ -1244,7 +1245,7 @@
           <a:p>
             <a:fld id="{ADC93C3F-4C00-4DB1-A155-BF7F89EF81D3}" type="datetimeFigureOut">
               <a:rPr lang="ko-KR" altLang="en-US" smtClean="0"/>
-              <a:t>2023-05-09</a:t>
+              <a:t>2023-05-12</a:t>
             </a:fld>
             <a:endParaRPr lang="ko-KR" altLang="en-US"/>
           </a:p>
@@ -1611,7 +1612,7 @@
           <a:p>
             <a:fld id="{ADC93C3F-4C00-4DB1-A155-BF7F89EF81D3}" type="datetimeFigureOut">
               <a:rPr lang="ko-KR" altLang="en-US" smtClean="0"/>
-              <a:t>2023-05-09</a:t>
+              <a:t>2023-05-12</a:t>
             </a:fld>
             <a:endParaRPr lang="ko-KR" altLang="en-US"/>
           </a:p>
@@ -1729,7 +1730,7 @@
           <a:p>
             <a:fld id="{ADC93C3F-4C00-4DB1-A155-BF7F89EF81D3}" type="datetimeFigureOut">
               <a:rPr lang="ko-KR" altLang="en-US" smtClean="0"/>
-              <a:t>2023-05-09</a:t>
+              <a:t>2023-05-12</a:t>
             </a:fld>
             <a:endParaRPr lang="ko-KR" altLang="en-US"/>
           </a:p>
@@ -1824,7 +1825,7 @@
           <a:p>
             <a:fld id="{ADC93C3F-4C00-4DB1-A155-BF7F89EF81D3}" type="datetimeFigureOut">
               <a:rPr lang="ko-KR" altLang="en-US" smtClean="0"/>
-              <a:t>2023-05-09</a:t>
+              <a:t>2023-05-12</a:t>
             </a:fld>
             <a:endParaRPr lang="ko-KR" altLang="en-US"/>
           </a:p>
@@ -2101,7 +2102,7 @@
           <a:p>
             <a:fld id="{ADC93C3F-4C00-4DB1-A155-BF7F89EF81D3}" type="datetimeFigureOut">
               <a:rPr lang="ko-KR" altLang="en-US" smtClean="0"/>
-              <a:t>2023-05-09</a:t>
+              <a:t>2023-05-12</a:t>
             </a:fld>
             <a:endParaRPr lang="ko-KR" altLang="en-US"/>
           </a:p>
@@ -2358,7 +2359,7 @@
           <a:p>
             <a:fld id="{ADC93C3F-4C00-4DB1-A155-BF7F89EF81D3}" type="datetimeFigureOut">
               <a:rPr lang="ko-KR" altLang="en-US" smtClean="0"/>
-              <a:t>2023-05-09</a:t>
+              <a:t>2023-05-12</a:t>
             </a:fld>
             <a:endParaRPr lang="ko-KR" altLang="en-US"/>
           </a:p>
@@ -2571,7 +2572,7 @@
           <a:p>
             <a:fld id="{ADC93C3F-4C00-4DB1-A155-BF7F89EF81D3}" type="datetimeFigureOut">
               <a:rPr lang="ko-KR" altLang="en-US" smtClean="0"/>
-              <a:t>2023-05-09</a:t>
+              <a:t>2023-05-12</a:t>
             </a:fld>
             <a:endParaRPr lang="ko-KR" altLang="en-US"/>
           </a:p>
@@ -6996,6 +6997,150 @@
 </p:sld>
 </file>
 
+<file path=ppt/slides/slide7.xml><?xml version="1.0" encoding="utf-8"?>
+<p:sld xmlns:a="http://schemas.openxmlformats.org/drawingml/2006/main" xmlns:r="http://schemas.openxmlformats.org/officeDocument/2006/relationships" xmlns:p="http://schemas.openxmlformats.org/presentationml/2006/main">
+  <p:cSld>
+    <p:spTree>
+      <p:nvGrpSpPr>
+        <p:cNvPr id="1" name=""/>
+        <p:cNvGrpSpPr/>
+        <p:nvPr/>
+      </p:nvGrpSpPr>
+      <p:grpSpPr>
+        <a:xfrm>
+          <a:off x="0" y="0"/>
+          <a:ext cx="0" cy="0"/>
+          <a:chOff x="0" y="0"/>
+          <a:chExt cx="0" cy="0"/>
+        </a:xfrm>
+      </p:grpSpPr>
+      <p:grpSp>
+        <p:nvGrpSpPr>
+          <p:cNvPr id="24" name="그룹 23"/>
+          <p:cNvGrpSpPr/>
+          <p:nvPr/>
+        </p:nvGrpSpPr>
+        <p:grpSpPr>
+          <a:xfrm>
+            <a:off x="3346336" y="11807563"/>
+            <a:ext cx="1865222" cy="1341009"/>
+            <a:chOff x="11667376" y="11929483"/>
+            <a:chExt cx="1865222" cy="1341009"/>
+          </a:xfrm>
+        </p:grpSpPr>
+        <p:pic>
+          <p:nvPicPr>
+            <p:cNvPr id="22" name="그림 21"/>
+            <p:cNvPicPr>
+              <a:picLocks noChangeAspect="1"/>
+            </p:cNvPicPr>
+            <p:nvPr/>
+          </p:nvPicPr>
+          <p:blipFill>
+            <a:blip r:embed="rId2">
+              <a:extLst>
+                <a:ext uri="{28A0092B-C50C-407E-A947-70E740481C1C}">
+                  <a14:useLocalDpi xmlns:a14="http://schemas.microsoft.com/office/drawing/2010/main" val="0"/>
+                </a:ext>
+              </a:extLst>
+            </a:blip>
+            <a:stretch>
+              <a:fillRect/>
+            </a:stretch>
+          </p:blipFill>
+          <p:spPr>
+            <a:xfrm>
+              <a:off x="11667376" y="11929483"/>
+              <a:ext cx="1865222" cy="1341009"/>
+            </a:xfrm>
+            <a:prstGeom prst="rect">
+              <a:avLst/>
+            </a:prstGeom>
+          </p:spPr>
+        </p:pic>
+        <p:sp>
+          <p:nvSpPr>
+            <p:cNvPr id="23" name="TextBox 22"/>
+            <p:cNvSpPr txBox="1"/>
+            <p:nvPr/>
+          </p:nvSpPr>
+          <p:spPr>
+            <a:xfrm>
+              <a:off x="12151064" y="12254829"/>
+              <a:ext cx="796245" cy="1015663"/>
+            </a:xfrm>
+            <a:prstGeom prst="rect">
+              <a:avLst/>
+            </a:prstGeom>
+            <a:noFill/>
+          </p:spPr>
+          <p:txBody>
+            <a:bodyPr wrap="square" rtlCol="0" anchor="ctr">
+              <a:spAutoFit/>
+            </a:bodyPr>
+            <a:lstStyle/>
+            <a:p>
+              <a:r>
+                <a:rPr lang="en-US" altLang="ko-KR" sz="6000" b="1" dirty="0" smtClean="0">
+                  <a:solidFill>
+                    <a:schemeClr val="accent2"/>
+                  </a:solidFill>
+                  <a:latin typeface="Arial Black" panose="020B0A04020102020204" pitchFamily="34" charset="0"/>
+                </a:rPr>
+                <a:t>G</a:t>
+              </a:r>
+              <a:endParaRPr lang="ko-KR" altLang="en-US" sz="6000" b="1" dirty="0">
+                <a:solidFill>
+                  <a:schemeClr val="accent2"/>
+                </a:solidFill>
+                <a:latin typeface="Arial Black" panose="020B0A04020102020204" pitchFamily="34" charset="0"/>
+              </a:endParaRPr>
+            </a:p>
+          </p:txBody>
+        </p:sp>
+      </p:grpSp>
+      <p:pic>
+        <p:nvPicPr>
+          <p:cNvPr id="2" name="그림 1"/>
+          <p:cNvPicPr>
+            <a:picLocks noChangeAspect="1"/>
+          </p:cNvPicPr>
+          <p:nvPr/>
+        </p:nvPicPr>
+        <p:blipFill rotWithShape="1">
+          <a:blip r:embed="rId3">
+            <a:extLst>
+              <a:ext uri="{28A0092B-C50C-407E-A947-70E740481C1C}">
+                <a14:useLocalDpi xmlns:a14="http://schemas.microsoft.com/office/drawing/2010/main" val="0"/>
+              </a:ext>
+            </a:extLst>
+          </a:blip>
+          <a:srcRect b="22959"/>
+          <a:stretch/>
+        </p:blipFill>
+        <p:spPr>
+          <a:xfrm>
+            <a:off x="14718267" y="11758406"/>
+            <a:ext cx="1859441" cy="1347994"/>
+          </a:xfrm>
+          <a:prstGeom prst="rect">
+            <a:avLst/>
+          </a:prstGeom>
+        </p:spPr>
+      </p:pic>
+    </p:spTree>
+    <p:extLst>
+      <p:ext uri="{BB962C8B-B14F-4D97-AF65-F5344CB8AC3E}">
+        <p14:creationId xmlns:p14="http://schemas.microsoft.com/office/powerpoint/2010/main" val="2815426572"/>
+      </p:ext>
+    </p:extLst>
+  </p:cSld>
+  <p:clrMapOvr>
+    <a:masterClrMapping/>
+  </p:clrMapOvr>
+</p:sld>
+</file>
+
 <file path=ppt/theme/theme1.xml><?xml version="1.0" encoding="utf-8"?>
 <a:theme xmlns:a="http://schemas.openxmlformats.org/drawingml/2006/main" name="Office 테마">
   <a:themeElements>
